--- a/ppt 16-9/0187.牧羊人之歌.pptx
+++ b/ppt 16-9/0187.牧羊人之歌.pptx
@@ -129,7 +129,7 @@
           <p:cNvPr id="2" name="标题 1">
             <a:extLst>
               <a:ext uri="{FF2B5EF4-FFF2-40B4-BE49-F238E27FC236}">
-                <a16:creationId xmlns:a16="http://schemas.microsoft.com/office/drawing/2014/main" id="{DC2E4E48-16ED-6EBD-28F0-9EC81FC8043D}"/>
+                <a16:creationId xmlns:a16="http://schemas.microsoft.com/office/drawing/2014/main" id="{AA8E5815-796A-2E48-DD67-3168A56C4BE0}"/>
               </a:ext>
             </a:extLst>
           </p:cNvPr>
@@ -166,7 +166,7 @@
           <p:cNvPr id="3" name="副标题 2">
             <a:extLst>
               <a:ext uri="{FF2B5EF4-FFF2-40B4-BE49-F238E27FC236}">
-                <a16:creationId xmlns:a16="http://schemas.microsoft.com/office/drawing/2014/main" id="{44585E40-21E1-6CCA-6205-B3C07E62AD2C}"/>
+                <a16:creationId xmlns:a16="http://schemas.microsoft.com/office/drawing/2014/main" id="{FA5844FE-D422-15F9-02C0-02AF3BC560CD}"/>
               </a:ext>
             </a:extLst>
           </p:cNvPr>
@@ -236,7 +236,7 @@
           <p:cNvPr id="4" name="日期占位符 3">
             <a:extLst>
               <a:ext uri="{FF2B5EF4-FFF2-40B4-BE49-F238E27FC236}">
-                <a16:creationId xmlns:a16="http://schemas.microsoft.com/office/drawing/2014/main" id="{116EF233-3A91-872F-EF49-6B015C738013}"/>
+                <a16:creationId xmlns:a16="http://schemas.microsoft.com/office/drawing/2014/main" id="{F91D07F6-3F70-73B3-C844-0520778FB278}"/>
               </a:ext>
             </a:extLst>
           </p:cNvPr>
@@ -252,7 +252,7 @@
           <a:bodyPr/>
           <a:lstStyle/>
           <a:p>
-            <a:fld id="{D5857A15-3846-453A-B0AA-DCFF607F9E2F}" type="datetimeFigureOut">
+            <a:fld id="{ABDB646F-836F-4C85-AF98-609525971E85}" type="datetimeFigureOut">
               <a:rPr lang="zh-CN" altLang="en-US" smtClean="0"/>
               <a:t>2024/3/10</a:t>
             </a:fld>
@@ -265,7 +265,7 @@
           <p:cNvPr id="5" name="页脚占位符 4">
             <a:extLst>
               <a:ext uri="{FF2B5EF4-FFF2-40B4-BE49-F238E27FC236}">
-                <a16:creationId xmlns:a16="http://schemas.microsoft.com/office/drawing/2014/main" id="{CE808165-4729-77A6-09EA-C1A2A7AF1D65}"/>
+                <a16:creationId xmlns:a16="http://schemas.microsoft.com/office/drawing/2014/main" id="{EF77F188-C43C-ED5A-EC30-FD1FD48269E0}"/>
               </a:ext>
             </a:extLst>
           </p:cNvPr>
@@ -290,7 +290,7 @@
           <p:cNvPr id="6" name="灯片编号占位符 5">
             <a:extLst>
               <a:ext uri="{FF2B5EF4-FFF2-40B4-BE49-F238E27FC236}">
-                <a16:creationId xmlns:a16="http://schemas.microsoft.com/office/drawing/2014/main" id="{201A9EF4-1020-6CB5-4720-F8A44A79BF65}"/>
+                <a16:creationId xmlns:a16="http://schemas.microsoft.com/office/drawing/2014/main" id="{CC413549-E2B5-5E24-E840-28133FCA95CD}"/>
               </a:ext>
             </a:extLst>
           </p:cNvPr>
@@ -306,7 +306,7 @@
           <a:bodyPr/>
           <a:lstStyle/>
           <a:p>
-            <a:fld id="{A19D7025-0D55-4909-B26C-769F13F6A8E7}" type="slidenum">
+            <a:fld id="{D54052BA-F4A6-46AA-9403-042559C05CA4}" type="slidenum">
               <a:rPr lang="zh-CN" altLang="en-US" smtClean="0"/>
               <a:t>‹#›</a:t>
             </a:fld>
@@ -317,7 +317,7 @@
     </p:spTree>
     <p:extLst>
       <p:ext uri="{BB962C8B-B14F-4D97-AF65-F5344CB8AC3E}">
-        <p14:creationId xmlns:p14="http://schemas.microsoft.com/office/powerpoint/2010/main" val="2925698316"/>
+        <p14:creationId xmlns:p14="http://schemas.microsoft.com/office/powerpoint/2010/main" val="1573807404"/>
       </p:ext>
     </p:extLst>
   </p:cSld>
@@ -349,7 +349,7 @@
           <p:cNvPr id="2" name="标题 1">
             <a:extLst>
               <a:ext uri="{FF2B5EF4-FFF2-40B4-BE49-F238E27FC236}">
-                <a16:creationId xmlns:a16="http://schemas.microsoft.com/office/drawing/2014/main" id="{D90ADD1F-3FFD-5388-0469-C33A18097B12}"/>
+                <a16:creationId xmlns:a16="http://schemas.microsoft.com/office/drawing/2014/main" id="{F9607A1F-42BB-BD2C-DB19-6F14962ADEE0}"/>
               </a:ext>
             </a:extLst>
           </p:cNvPr>
@@ -377,7 +377,7 @@
           <p:cNvPr id="3" name="竖排文字占位符 2">
             <a:extLst>
               <a:ext uri="{FF2B5EF4-FFF2-40B4-BE49-F238E27FC236}">
-                <a16:creationId xmlns:a16="http://schemas.microsoft.com/office/drawing/2014/main" id="{8E28DF0A-CCF1-872C-EE33-384CDAC940C6}"/>
+                <a16:creationId xmlns:a16="http://schemas.microsoft.com/office/drawing/2014/main" id="{ADAFDE6C-AD8A-C84F-BDD7-7FD259F94A6C}"/>
               </a:ext>
             </a:extLst>
           </p:cNvPr>
@@ -434,7 +434,7 @@
           <p:cNvPr id="4" name="日期占位符 3">
             <a:extLst>
               <a:ext uri="{FF2B5EF4-FFF2-40B4-BE49-F238E27FC236}">
-                <a16:creationId xmlns:a16="http://schemas.microsoft.com/office/drawing/2014/main" id="{1DD46FF2-0F95-291F-E491-5D30F183CF23}"/>
+                <a16:creationId xmlns:a16="http://schemas.microsoft.com/office/drawing/2014/main" id="{734D4699-3D66-2596-7EAE-1239A489745D}"/>
               </a:ext>
             </a:extLst>
           </p:cNvPr>
@@ -450,7 +450,7 @@
           <a:bodyPr/>
           <a:lstStyle/>
           <a:p>
-            <a:fld id="{D5857A15-3846-453A-B0AA-DCFF607F9E2F}" type="datetimeFigureOut">
+            <a:fld id="{ABDB646F-836F-4C85-AF98-609525971E85}" type="datetimeFigureOut">
               <a:rPr lang="zh-CN" altLang="en-US" smtClean="0"/>
               <a:t>2024/3/10</a:t>
             </a:fld>
@@ -463,7 +463,7 @@
           <p:cNvPr id="5" name="页脚占位符 4">
             <a:extLst>
               <a:ext uri="{FF2B5EF4-FFF2-40B4-BE49-F238E27FC236}">
-                <a16:creationId xmlns:a16="http://schemas.microsoft.com/office/drawing/2014/main" id="{AEDD03FC-76E7-2775-F268-095B23BD3B84}"/>
+                <a16:creationId xmlns:a16="http://schemas.microsoft.com/office/drawing/2014/main" id="{7FCAD8B1-F3E8-67F6-F6B8-EE9577AF82FB}"/>
               </a:ext>
             </a:extLst>
           </p:cNvPr>
@@ -488,7 +488,7 @@
           <p:cNvPr id="6" name="灯片编号占位符 5">
             <a:extLst>
               <a:ext uri="{FF2B5EF4-FFF2-40B4-BE49-F238E27FC236}">
-                <a16:creationId xmlns:a16="http://schemas.microsoft.com/office/drawing/2014/main" id="{22C7CBCF-5E2F-A879-557E-326112B1F390}"/>
+                <a16:creationId xmlns:a16="http://schemas.microsoft.com/office/drawing/2014/main" id="{655731E4-A4C2-4059-26EA-A3BCF3A32F09}"/>
               </a:ext>
             </a:extLst>
           </p:cNvPr>
@@ -504,7 +504,7 @@
           <a:bodyPr/>
           <a:lstStyle/>
           <a:p>
-            <a:fld id="{A19D7025-0D55-4909-B26C-769F13F6A8E7}" type="slidenum">
+            <a:fld id="{D54052BA-F4A6-46AA-9403-042559C05CA4}" type="slidenum">
               <a:rPr lang="zh-CN" altLang="en-US" smtClean="0"/>
               <a:t>‹#›</a:t>
             </a:fld>
@@ -515,7 +515,7 @@
     </p:spTree>
     <p:extLst>
       <p:ext uri="{BB962C8B-B14F-4D97-AF65-F5344CB8AC3E}">
-        <p14:creationId xmlns:p14="http://schemas.microsoft.com/office/powerpoint/2010/main" val="4092959334"/>
+        <p14:creationId xmlns:p14="http://schemas.microsoft.com/office/powerpoint/2010/main" val="1704502757"/>
       </p:ext>
     </p:extLst>
   </p:cSld>
@@ -547,7 +547,7 @@
           <p:cNvPr id="2" name="竖排标题 1">
             <a:extLst>
               <a:ext uri="{FF2B5EF4-FFF2-40B4-BE49-F238E27FC236}">
-                <a16:creationId xmlns:a16="http://schemas.microsoft.com/office/drawing/2014/main" id="{8B3DD4A5-F726-A719-7A5A-141B51D196C5}"/>
+                <a16:creationId xmlns:a16="http://schemas.microsoft.com/office/drawing/2014/main" id="{60D87042-5BDF-FB9E-4E89-7FCC747E3E6F}"/>
               </a:ext>
             </a:extLst>
           </p:cNvPr>
@@ -580,7 +580,7 @@
           <p:cNvPr id="3" name="竖排文字占位符 2">
             <a:extLst>
               <a:ext uri="{FF2B5EF4-FFF2-40B4-BE49-F238E27FC236}">
-                <a16:creationId xmlns:a16="http://schemas.microsoft.com/office/drawing/2014/main" id="{8AFDFC42-D5BC-86E4-5049-AE76CFE1F452}"/>
+                <a16:creationId xmlns:a16="http://schemas.microsoft.com/office/drawing/2014/main" id="{9A6FA696-C80E-A106-0967-0414B97252A2}"/>
               </a:ext>
             </a:extLst>
           </p:cNvPr>
@@ -642,7 +642,7 @@
           <p:cNvPr id="4" name="日期占位符 3">
             <a:extLst>
               <a:ext uri="{FF2B5EF4-FFF2-40B4-BE49-F238E27FC236}">
-                <a16:creationId xmlns:a16="http://schemas.microsoft.com/office/drawing/2014/main" id="{A3561ED8-0748-DD8C-A63F-70BB94238C57}"/>
+                <a16:creationId xmlns:a16="http://schemas.microsoft.com/office/drawing/2014/main" id="{C614AD9D-F5E9-F126-F78E-42960BDB1053}"/>
               </a:ext>
             </a:extLst>
           </p:cNvPr>
@@ -658,7 +658,7 @@
           <a:bodyPr/>
           <a:lstStyle/>
           <a:p>
-            <a:fld id="{D5857A15-3846-453A-B0AA-DCFF607F9E2F}" type="datetimeFigureOut">
+            <a:fld id="{ABDB646F-836F-4C85-AF98-609525971E85}" type="datetimeFigureOut">
               <a:rPr lang="zh-CN" altLang="en-US" smtClean="0"/>
               <a:t>2024/3/10</a:t>
             </a:fld>
@@ -671,7 +671,7 @@
           <p:cNvPr id="5" name="页脚占位符 4">
             <a:extLst>
               <a:ext uri="{FF2B5EF4-FFF2-40B4-BE49-F238E27FC236}">
-                <a16:creationId xmlns:a16="http://schemas.microsoft.com/office/drawing/2014/main" id="{E50BA060-B55C-0E1B-9948-BEA406B9A31F}"/>
+                <a16:creationId xmlns:a16="http://schemas.microsoft.com/office/drawing/2014/main" id="{E173B8BC-56A6-77AB-D7B3-3F92A78FD1F3}"/>
               </a:ext>
             </a:extLst>
           </p:cNvPr>
@@ -696,7 +696,7 @@
           <p:cNvPr id="6" name="灯片编号占位符 5">
             <a:extLst>
               <a:ext uri="{FF2B5EF4-FFF2-40B4-BE49-F238E27FC236}">
-                <a16:creationId xmlns:a16="http://schemas.microsoft.com/office/drawing/2014/main" id="{CDD4829E-D93B-A794-97DC-ACD2B381527D}"/>
+                <a16:creationId xmlns:a16="http://schemas.microsoft.com/office/drawing/2014/main" id="{F821E8B5-7A13-3FE3-75B6-0401163AD27E}"/>
               </a:ext>
             </a:extLst>
           </p:cNvPr>
@@ -712,7 +712,7 @@
           <a:bodyPr/>
           <a:lstStyle/>
           <a:p>
-            <a:fld id="{A19D7025-0D55-4909-B26C-769F13F6A8E7}" type="slidenum">
+            <a:fld id="{D54052BA-F4A6-46AA-9403-042559C05CA4}" type="slidenum">
               <a:rPr lang="zh-CN" altLang="en-US" smtClean="0"/>
               <a:t>‹#›</a:t>
             </a:fld>
@@ -723,7 +723,7 @@
     </p:spTree>
     <p:extLst>
       <p:ext uri="{BB962C8B-B14F-4D97-AF65-F5344CB8AC3E}">
-        <p14:creationId xmlns:p14="http://schemas.microsoft.com/office/powerpoint/2010/main" val="2491770535"/>
+        <p14:creationId xmlns:p14="http://schemas.microsoft.com/office/powerpoint/2010/main" val="2526453880"/>
       </p:ext>
     </p:extLst>
   </p:cSld>
@@ -755,7 +755,7 @@
           <p:cNvPr id="2" name="标题 1">
             <a:extLst>
               <a:ext uri="{FF2B5EF4-FFF2-40B4-BE49-F238E27FC236}">
-                <a16:creationId xmlns:a16="http://schemas.microsoft.com/office/drawing/2014/main" id="{6350F456-08C7-6FCE-1917-8E780D790E12}"/>
+                <a16:creationId xmlns:a16="http://schemas.microsoft.com/office/drawing/2014/main" id="{12DF5753-4664-F29B-48CE-A24EE7379CD1}"/>
               </a:ext>
             </a:extLst>
           </p:cNvPr>
@@ -783,7 +783,7 @@
           <p:cNvPr id="3" name="内容占位符 2">
             <a:extLst>
               <a:ext uri="{FF2B5EF4-FFF2-40B4-BE49-F238E27FC236}">
-                <a16:creationId xmlns:a16="http://schemas.microsoft.com/office/drawing/2014/main" id="{A07926E5-D77D-C969-A869-41A441BFD02F}"/>
+                <a16:creationId xmlns:a16="http://schemas.microsoft.com/office/drawing/2014/main" id="{9DC4306D-B61E-CE36-68DC-535B8A31A340}"/>
               </a:ext>
             </a:extLst>
           </p:cNvPr>
@@ -840,7 +840,7 @@
           <p:cNvPr id="4" name="日期占位符 3">
             <a:extLst>
               <a:ext uri="{FF2B5EF4-FFF2-40B4-BE49-F238E27FC236}">
-                <a16:creationId xmlns:a16="http://schemas.microsoft.com/office/drawing/2014/main" id="{A7072A28-7D3E-40BB-4948-CAF211FBCE2B}"/>
+                <a16:creationId xmlns:a16="http://schemas.microsoft.com/office/drawing/2014/main" id="{AE190A7A-401F-190B-6B1E-4FA6428C5C7C}"/>
               </a:ext>
             </a:extLst>
           </p:cNvPr>
@@ -856,7 +856,7 @@
           <a:bodyPr/>
           <a:lstStyle/>
           <a:p>
-            <a:fld id="{D5857A15-3846-453A-B0AA-DCFF607F9E2F}" type="datetimeFigureOut">
+            <a:fld id="{ABDB646F-836F-4C85-AF98-609525971E85}" type="datetimeFigureOut">
               <a:rPr lang="zh-CN" altLang="en-US" smtClean="0"/>
               <a:t>2024/3/10</a:t>
             </a:fld>
@@ -869,7 +869,7 @@
           <p:cNvPr id="5" name="页脚占位符 4">
             <a:extLst>
               <a:ext uri="{FF2B5EF4-FFF2-40B4-BE49-F238E27FC236}">
-                <a16:creationId xmlns:a16="http://schemas.microsoft.com/office/drawing/2014/main" id="{0DCD9D0D-0DF2-5BE4-3FD5-798F565474FB}"/>
+                <a16:creationId xmlns:a16="http://schemas.microsoft.com/office/drawing/2014/main" id="{4427F164-CDBD-60BF-DF20-6C8EFADA8C89}"/>
               </a:ext>
             </a:extLst>
           </p:cNvPr>
@@ -894,7 +894,7 @@
           <p:cNvPr id="6" name="灯片编号占位符 5">
             <a:extLst>
               <a:ext uri="{FF2B5EF4-FFF2-40B4-BE49-F238E27FC236}">
-                <a16:creationId xmlns:a16="http://schemas.microsoft.com/office/drawing/2014/main" id="{A79D9023-C369-6BF3-19AB-7A382CE64206}"/>
+                <a16:creationId xmlns:a16="http://schemas.microsoft.com/office/drawing/2014/main" id="{E69E06B4-F3A2-8F9B-9F67-93CC08E289EA}"/>
               </a:ext>
             </a:extLst>
           </p:cNvPr>
@@ -910,7 +910,7 @@
           <a:bodyPr/>
           <a:lstStyle/>
           <a:p>
-            <a:fld id="{A19D7025-0D55-4909-B26C-769F13F6A8E7}" type="slidenum">
+            <a:fld id="{D54052BA-F4A6-46AA-9403-042559C05CA4}" type="slidenum">
               <a:rPr lang="zh-CN" altLang="en-US" smtClean="0"/>
               <a:t>‹#›</a:t>
             </a:fld>
@@ -921,7 +921,7 @@
     </p:spTree>
     <p:extLst>
       <p:ext uri="{BB962C8B-B14F-4D97-AF65-F5344CB8AC3E}">
-        <p14:creationId xmlns:p14="http://schemas.microsoft.com/office/powerpoint/2010/main" val="234594009"/>
+        <p14:creationId xmlns:p14="http://schemas.microsoft.com/office/powerpoint/2010/main" val="1308533260"/>
       </p:ext>
     </p:extLst>
   </p:cSld>
@@ -953,7 +953,7 @@
           <p:cNvPr id="2" name="标题 1">
             <a:extLst>
               <a:ext uri="{FF2B5EF4-FFF2-40B4-BE49-F238E27FC236}">
-                <a16:creationId xmlns:a16="http://schemas.microsoft.com/office/drawing/2014/main" id="{F0858BF9-8949-F3F0-E8D8-1EAD971FD204}"/>
+                <a16:creationId xmlns:a16="http://schemas.microsoft.com/office/drawing/2014/main" id="{E8869794-F9E9-7866-F909-C7DDFF55543F}"/>
               </a:ext>
             </a:extLst>
           </p:cNvPr>
@@ -990,7 +990,7 @@
           <p:cNvPr id="3" name="文本占位符 2">
             <a:extLst>
               <a:ext uri="{FF2B5EF4-FFF2-40B4-BE49-F238E27FC236}">
-                <a16:creationId xmlns:a16="http://schemas.microsoft.com/office/drawing/2014/main" id="{3A91770C-327D-A7E0-F0DD-64A7201AFE06}"/>
+                <a16:creationId xmlns:a16="http://schemas.microsoft.com/office/drawing/2014/main" id="{A28187BE-111C-CF37-A56C-EE9FB37F919F}"/>
               </a:ext>
             </a:extLst>
           </p:cNvPr>
@@ -1115,7 +1115,7 @@
           <p:cNvPr id="4" name="日期占位符 3">
             <a:extLst>
               <a:ext uri="{FF2B5EF4-FFF2-40B4-BE49-F238E27FC236}">
-                <a16:creationId xmlns:a16="http://schemas.microsoft.com/office/drawing/2014/main" id="{C774FCE7-704D-0684-CDBF-5051DE946BF0}"/>
+                <a16:creationId xmlns:a16="http://schemas.microsoft.com/office/drawing/2014/main" id="{B113785F-0F01-83B0-E8C4-C3C11BDB0647}"/>
               </a:ext>
             </a:extLst>
           </p:cNvPr>
@@ -1131,7 +1131,7 @@
           <a:bodyPr/>
           <a:lstStyle/>
           <a:p>
-            <a:fld id="{D5857A15-3846-453A-B0AA-DCFF607F9E2F}" type="datetimeFigureOut">
+            <a:fld id="{ABDB646F-836F-4C85-AF98-609525971E85}" type="datetimeFigureOut">
               <a:rPr lang="zh-CN" altLang="en-US" smtClean="0"/>
               <a:t>2024/3/10</a:t>
             </a:fld>
@@ -1144,7 +1144,7 @@
           <p:cNvPr id="5" name="页脚占位符 4">
             <a:extLst>
               <a:ext uri="{FF2B5EF4-FFF2-40B4-BE49-F238E27FC236}">
-                <a16:creationId xmlns:a16="http://schemas.microsoft.com/office/drawing/2014/main" id="{F3D07330-CFA8-44DA-F2E8-2B066DF072EF}"/>
+                <a16:creationId xmlns:a16="http://schemas.microsoft.com/office/drawing/2014/main" id="{14F3CE59-5E97-BA81-4FBA-FB4EED72A2E1}"/>
               </a:ext>
             </a:extLst>
           </p:cNvPr>
@@ -1169,7 +1169,7 @@
           <p:cNvPr id="6" name="灯片编号占位符 5">
             <a:extLst>
               <a:ext uri="{FF2B5EF4-FFF2-40B4-BE49-F238E27FC236}">
-                <a16:creationId xmlns:a16="http://schemas.microsoft.com/office/drawing/2014/main" id="{198B39D6-8FB4-CE65-A330-802A1552A4B7}"/>
+                <a16:creationId xmlns:a16="http://schemas.microsoft.com/office/drawing/2014/main" id="{1A952A25-FF03-D728-BDAE-7D947A8A4A0B}"/>
               </a:ext>
             </a:extLst>
           </p:cNvPr>
@@ -1185,7 +1185,7 @@
           <a:bodyPr/>
           <a:lstStyle/>
           <a:p>
-            <a:fld id="{A19D7025-0D55-4909-B26C-769F13F6A8E7}" type="slidenum">
+            <a:fld id="{D54052BA-F4A6-46AA-9403-042559C05CA4}" type="slidenum">
               <a:rPr lang="zh-CN" altLang="en-US" smtClean="0"/>
               <a:t>‹#›</a:t>
             </a:fld>
@@ -1196,7 +1196,7 @@
     </p:spTree>
     <p:extLst>
       <p:ext uri="{BB962C8B-B14F-4D97-AF65-F5344CB8AC3E}">
-        <p14:creationId xmlns:p14="http://schemas.microsoft.com/office/powerpoint/2010/main" val="758794472"/>
+        <p14:creationId xmlns:p14="http://schemas.microsoft.com/office/powerpoint/2010/main" val="1205910763"/>
       </p:ext>
     </p:extLst>
   </p:cSld>
@@ -1228,7 +1228,7 @@
           <p:cNvPr id="2" name="标题 1">
             <a:extLst>
               <a:ext uri="{FF2B5EF4-FFF2-40B4-BE49-F238E27FC236}">
-                <a16:creationId xmlns:a16="http://schemas.microsoft.com/office/drawing/2014/main" id="{E03090D2-8E63-9E32-D8B1-D5219733F886}"/>
+                <a16:creationId xmlns:a16="http://schemas.microsoft.com/office/drawing/2014/main" id="{E8A49192-DF75-D371-CAB4-CBCCFFC7D938}"/>
               </a:ext>
             </a:extLst>
           </p:cNvPr>
@@ -1256,7 +1256,7 @@
           <p:cNvPr id="3" name="内容占位符 2">
             <a:extLst>
               <a:ext uri="{FF2B5EF4-FFF2-40B4-BE49-F238E27FC236}">
-                <a16:creationId xmlns:a16="http://schemas.microsoft.com/office/drawing/2014/main" id="{9844E68D-0F43-68C4-5B8D-C58EBA1F1145}"/>
+                <a16:creationId xmlns:a16="http://schemas.microsoft.com/office/drawing/2014/main" id="{B1B8BE62-C58A-A3C3-DFEB-225F3F40DB9A}"/>
               </a:ext>
             </a:extLst>
           </p:cNvPr>
@@ -1318,7 +1318,7 @@
           <p:cNvPr id="4" name="内容占位符 3">
             <a:extLst>
               <a:ext uri="{FF2B5EF4-FFF2-40B4-BE49-F238E27FC236}">
-                <a16:creationId xmlns:a16="http://schemas.microsoft.com/office/drawing/2014/main" id="{46CE9C3C-23FB-28CA-63EC-95FA4C383674}"/>
+                <a16:creationId xmlns:a16="http://schemas.microsoft.com/office/drawing/2014/main" id="{E6F40534-61D7-F07F-D4FB-CA4A92D3713D}"/>
               </a:ext>
             </a:extLst>
           </p:cNvPr>
@@ -1380,7 +1380,7 @@
           <p:cNvPr id="5" name="日期占位符 4">
             <a:extLst>
               <a:ext uri="{FF2B5EF4-FFF2-40B4-BE49-F238E27FC236}">
-                <a16:creationId xmlns:a16="http://schemas.microsoft.com/office/drawing/2014/main" id="{ACA914B7-E377-AAC0-1149-5A445550B44F}"/>
+                <a16:creationId xmlns:a16="http://schemas.microsoft.com/office/drawing/2014/main" id="{90554657-11A3-FC10-A676-00F9DBD49ED5}"/>
               </a:ext>
             </a:extLst>
           </p:cNvPr>
@@ -1396,7 +1396,7 @@
           <a:bodyPr/>
           <a:lstStyle/>
           <a:p>
-            <a:fld id="{D5857A15-3846-453A-B0AA-DCFF607F9E2F}" type="datetimeFigureOut">
+            <a:fld id="{ABDB646F-836F-4C85-AF98-609525971E85}" type="datetimeFigureOut">
               <a:rPr lang="zh-CN" altLang="en-US" smtClean="0"/>
               <a:t>2024/3/10</a:t>
             </a:fld>
@@ -1409,7 +1409,7 @@
           <p:cNvPr id="6" name="页脚占位符 5">
             <a:extLst>
               <a:ext uri="{FF2B5EF4-FFF2-40B4-BE49-F238E27FC236}">
-                <a16:creationId xmlns:a16="http://schemas.microsoft.com/office/drawing/2014/main" id="{57264900-764F-DF45-D4E7-92A9E89B5138}"/>
+                <a16:creationId xmlns:a16="http://schemas.microsoft.com/office/drawing/2014/main" id="{3A3C1F3B-5EF8-9A82-A983-703CA02C6C65}"/>
               </a:ext>
             </a:extLst>
           </p:cNvPr>
@@ -1434,7 +1434,7 @@
           <p:cNvPr id="7" name="灯片编号占位符 6">
             <a:extLst>
               <a:ext uri="{FF2B5EF4-FFF2-40B4-BE49-F238E27FC236}">
-                <a16:creationId xmlns:a16="http://schemas.microsoft.com/office/drawing/2014/main" id="{42CD6257-AD34-CC9A-57F6-3C2367C1D56E}"/>
+                <a16:creationId xmlns:a16="http://schemas.microsoft.com/office/drawing/2014/main" id="{756EB2B2-44FE-00E6-5D51-6FC00F893B1E}"/>
               </a:ext>
             </a:extLst>
           </p:cNvPr>
@@ -1450,7 +1450,7 @@
           <a:bodyPr/>
           <a:lstStyle/>
           <a:p>
-            <a:fld id="{A19D7025-0D55-4909-B26C-769F13F6A8E7}" type="slidenum">
+            <a:fld id="{D54052BA-F4A6-46AA-9403-042559C05CA4}" type="slidenum">
               <a:rPr lang="zh-CN" altLang="en-US" smtClean="0"/>
               <a:t>‹#›</a:t>
             </a:fld>
@@ -1461,7 +1461,7 @@
     </p:spTree>
     <p:extLst>
       <p:ext uri="{BB962C8B-B14F-4D97-AF65-F5344CB8AC3E}">
-        <p14:creationId xmlns:p14="http://schemas.microsoft.com/office/powerpoint/2010/main" val="3681181288"/>
+        <p14:creationId xmlns:p14="http://schemas.microsoft.com/office/powerpoint/2010/main" val="862974075"/>
       </p:ext>
     </p:extLst>
   </p:cSld>
@@ -1493,7 +1493,7 @@
           <p:cNvPr id="2" name="标题 1">
             <a:extLst>
               <a:ext uri="{FF2B5EF4-FFF2-40B4-BE49-F238E27FC236}">
-                <a16:creationId xmlns:a16="http://schemas.microsoft.com/office/drawing/2014/main" id="{AA90483E-92AC-7C9B-2193-AEF0ECA972C5}"/>
+                <a16:creationId xmlns:a16="http://schemas.microsoft.com/office/drawing/2014/main" id="{E719E494-0B6F-BC8B-65B0-AAEBC609A9C1}"/>
               </a:ext>
             </a:extLst>
           </p:cNvPr>
@@ -1526,7 +1526,7 @@
           <p:cNvPr id="3" name="文本占位符 2">
             <a:extLst>
               <a:ext uri="{FF2B5EF4-FFF2-40B4-BE49-F238E27FC236}">
-                <a16:creationId xmlns:a16="http://schemas.microsoft.com/office/drawing/2014/main" id="{1648B671-5E3C-13F3-0DEF-D18166DA5CF5}"/>
+                <a16:creationId xmlns:a16="http://schemas.microsoft.com/office/drawing/2014/main" id="{2C7ACF47-F32E-C209-9FC5-5370ECFE2D93}"/>
               </a:ext>
             </a:extLst>
           </p:cNvPr>
@@ -1597,7 +1597,7 @@
           <p:cNvPr id="4" name="内容占位符 3">
             <a:extLst>
               <a:ext uri="{FF2B5EF4-FFF2-40B4-BE49-F238E27FC236}">
-                <a16:creationId xmlns:a16="http://schemas.microsoft.com/office/drawing/2014/main" id="{F48B6D3C-AEA1-9117-ECE4-C45C8E73ABF8}"/>
+                <a16:creationId xmlns:a16="http://schemas.microsoft.com/office/drawing/2014/main" id="{250CC8DF-3580-7D5E-32B8-7C51AE77AEA2}"/>
               </a:ext>
             </a:extLst>
           </p:cNvPr>
@@ -1659,7 +1659,7 @@
           <p:cNvPr id="5" name="文本占位符 4">
             <a:extLst>
               <a:ext uri="{FF2B5EF4-FFF2-40B4-BE49-F238E27FC236}">
-                <a16:creationId xmlns:a16="http://schemas.microsoft.com/office/drawing/2014/main" id="{B818A0DF-7295-D1E3-A413-1197975BAB47}"/>
+                <a16:creationId xmlns:a16="http://schemas.microsoft.com/office/drawing/2014/main" id="{B41B4FD9-1BD4-4A90-1959-92D43FCBF6E2}"/>
               </a:ext>
             </a:extLst>
           </p:cNvPr>
@@ -1730,7 +1730,7 @@
           <p:cNvPr id="6" name="内容占位符 5">
             <a:extLst>
               <a:ext uri="{FF2B5EF4-FFF2-40B4-BE49-F238E27FC236}">
-                <a16:creationId xmlns:a16="http://schemas.microsoft.com/office/drawing/2014/main" id="{D17B1552-1373-EF3B-E315-E58EE76192F8}"/>
+                <a16:creationId xmlns:a16="http://schemas.microsoft.com/office/drawing/2014/main" id="{AB523659-E29F-2F65-DE9D-D156A291804C}"/>
               </a:ext>
             </a:extLst>
           </p:cNvPr>
@@ -1792,7 +1792,7 @@
           <p:cNvPr id="7" name="日期占位符 6">
             <a:extLst>
               <a:ext uri="{FF2B5EF4-FFF2-40B4-BE49-F238E27FC236}">
-                <a16:creationId xmlns:a16="http://schemas.microsoft.com/office/drawing/2014/main" id="{D236B719-5AB5-B0F2-6252-FFC67B465FB6}"/>
+                <a16:creationId xmlns:a16="http://schemas.microsoft.com/office/drawing/2014/main" id="{9794878B-4C82-4F89-B234-3B681B61E2BE}"/>
               </a:ext>
             </a:extLst>
           </p:cNvPr>
@@ -1808,7 +1808,7 @@
           <a:bodyPr/>
           <a:lstStyle/>
           <a:p>
-            <a:fld id="{D5857A15-3846-453A-B0AA-DCFF607F9E2F}" type="datetimeFigureOut">
+            <a:fld id="{ABDB646F-836F-4C85-AF98-609525971E85}" type="datetimeFigureOut">
               <a:rPr lang="zh-CN" altLang="en-US" smtClean="0"/>
               <a:t>2024/3/10</a:t>
             </a:fld>
@@ -1821,7 +1821,7 @@
           <p:cNvPr id="8" name="页脚占位符 7">
             <a:extLst>
               <a:ext uri="{FF2B5EF4-FFF2-40B4-BE49-F238E27FC236}">
-                <a16:creationId xmlns:a16="http://schemas.microsoft.com/office/drawing/2014/main" id="{46CECB96-BDBD-1D67-150E-B8827AD9C5AD}"/>
+                <a16:creationId xmlns:a16="http://schemas.microsoft.com/office/drawing/2014/main" id="{A6E226AA-9822-AF97-4937-AF83C680BCF9}"/>
               </a:ext>
             </a:extLst>
           </p:cNvPr>
@@ -1846,7 +1846,7 @@
           <p:cNvPr id="9" name="灯片编号占位符 8">
             <a:extLst>
               <a:ext uri="{FF2B5EF4-FFF2-40B4-BE49-F238E27FC236}">
-                <a16:creationId xmlns:a16="http://schemas.microsoft.com/office/drawing/2014/main" id="{A062998C-AF71-F0C5-D978-4216BDAB3730}"/>
+                <a16:creationId xmlns:a16="http://schemas.microsoft.com/office/drawing/2014/main" id="{190584D0-A75B-1CAA-87E3-345DEB0BF1A7}"/>
               </a:ext>
             </a:extLst>
           </p:cNvPr>
@@ -1862,7 +1862,7 @@
           <a:bodyPr/>
           <a:lstStyle/>
           <a:p>
-            <a:fld id="{A19D7025-0D55-4909-B26C-769F13F6A8E7}" type="slidenum">
+            <a:fld id="{D54052BA-F4A6-46AA-9403-042559C05CA4}" type="slidenum">
               <a:rPr lang="zh-CN" altLang="en-US" smtClean="0"/>
               <a:t>‹#›</a:t>
             </a:fld>
@@ -1873,7 +1873,7 @@
     </p:spTree>
     <p:extLst>
       <p:ext uri="{BB962C8B-B14F-4D97-AF65-F5344CB8AC3E}">
-        <p14:creationId xmlns:p14="http://schemas.microsoft.com/office/powerpoint/2010/main" val="2660611510"/>
+        <p14:creationId xmlns:p14="http://schemas.microsoft.com/office/powerpoint/2010/main" val="544627961"/>
       </p:ext>
     </p:extLst>
   </p:cSld>
@@ -1905,7 +1905,7 @@
           <p:cNvPr id="2" name="标题 1">
             <a:extLst>
               <a:ext uri="{FF2B5EF4-FFF2-40B4-BE49-F238E27FC236}">
-                <a16:creationId xmlns:a16="http://schemas.microsoft.com/office/drawing/2014/main" id="{527F6420-6D5D-79F5-0F1F-D69926FF7819}"/>
+                <a16:creationId xmlns:a16="http://schemas.microsoft.com/office/drawing/2014/main" id="{1233811B-7727-F524-57C1-06FB70A754FB}"/>
               </a:ext>
             </a:extLst>
           </p:cNvPr>
@@ -1933,7 +1933,7 @@
           <p:cNvPr id="3" name="日期占位符 2">
             <a:extLst>
               <a:ext uri="{FF2B5EF4-FFF2-40B4-BE49-F238E27FC236}">
-                <a16:creationId xmlns:a16="http://schemas.microsoft.com/office/drawing/2014/main" id="{E7E76E0D-962F-300E-27EC-AF366307B392}"/>
+                <a16:creationId xmlns:a16="http://schemas.microsoft.com/office/drawing/2014/main" id="{520DC06D-F2E6-172F-69B7-7F6F9E636134}"/>
               </a:ext>
             </a:extLst>
           </p:cNvPr>
@@ -1949,7 +1949,7 @@
           <a:bodyPr/>
           <a:lstStyle/>
           <a:p>
-            <a:fld id="{D5857A15-3846-453A-B0AA-DCFF607F9E2F}" type="datetimeFigureOut">
+            <a:fld id="{ABDB646F-836F-4C85-AF98-609525971E85}" type="datetimeFigureOut">
               <a:rPr lang="zh-CN" altLang="en-US" smtClean="0"/>
               <a:t>2024/3/10</a:t>
             </a:fld>
@@ -1962,7 +1962,7 @@
           <p:cNvPr id="4" name="页脚占位符 3">
             <a:extLst>
               <a:ext uri="{FF2B5EF4-FFF2-40B4-BE49-F238E27FC236}">
-                <a16:creationId xmlns:a16="http://schemas.microsoft.com/office/drawing/2014/main" id="{A5A7496A-3AC4-525F-973C-92ECC63251E8}"/>
+                <a16:creationId xmlns:a16="http://schemas.microsoft.com/office/drawing/2014/main" id="{B5E8D118-0413-23EA-B133-13EC92CDE2A8}"/>
               </a:ext>
             </a:extLst>
           </p:cNvPr>
@@ -1987,7 +1987,7 @@
           <p:cNvPr id="5" name="灯片编号占位符 4">
             <a:extLst>
               <a:ext uri="{FF2B5EF4-FFF2-40B4-BE49-F238E27FC236}">
-                <a16:creationId xmlns:a16="http://schemas.microsoft.com/office/drawing/2014/main" id="{D08DA036-BE1B-21AD-6032-DC1B56139386}"/>
+                <a16:creationId xmlns:a16="http://schemas.microsoft.com/office/drawing/2014/main" id="{54DB6F90-D86A-7169-3C3E-65383FB4979B}"/>
               </a:ext>
             </a:extLst>
           </p:cNvPr>
@@ -2003,7 +2003,7 @@
           <a:bodyPr/>
           <a:lstStyle/>
           <a:p>
-            <a:fld id="{A19D7025-0D55-4909-B26C-769F13F6A8E7}" type="slidenum">
+            <a:fld id="{D54052BA-F4A6-46AA-9403-042559C05CA4}" type="slidenum">
               <a:rPr lang="zh-CN" altLang="en-US" smtClean="0"/>
               <a:t>‹#›</a:t>
             </a:fld>
@@ -2014,7 +2014,7 @@
     </p:spTree>
     <p:extLst>
       <p:ext uri="{BB962C8B-B14F-4D97-AF65-F5344CB8AC3E}">
-        <p14:creationId xmlns:p14="http://schemas.microsoft.com/office/powerpoint/2010/main" val="3195997279"/>
+        <p14:creationId xmlns:p14="http://schemas.microsoft.com/office/powerpoint/2010/main" val="1959884143"/>
       </p:ext>
     </p:extLst>
   </p:cSld>
@@ -2046,7 +2046,7 @@
           <p:cNvPr id="2" name="日期占位符 1">
             <a:extLst>
               <a:ext uri="{FF2B5EF4-FFF2-40B4-BE49-F238E27FC236}">
-                <a16:creationId xmlns:a16="http://schemas.microsoft.com/office/drawing/2014/main" id="{0A176251-BC95-783A-2E5D-4821BDB28FA0}"/>
+                <a16:creationId xmlns:a16="http://schemas.microsoft.com/office/drawing/2014/main" id="{0EDC6B9E-1531-13A5-5C0B-4723DB35B50B}"/>
               </a:ext>
             </a:extLst>
           </p:cNvPr>
@@ -2062,7 +2062,7 @@
           <a:bodyPr/>
           <a:lstStyle/>
           <a:p>
-            <a:fld id="{D5857A15-3846-453A-B0AA-DCFF607F9E2F}" type="datetimeFigureOut">
+            <a:fld id="{ABDB646F-836F-4C85-AF98-609525971E85}" type="datetimeFigureOut">
               <a:rPr lang="zh-CN" altLang="en-US" smtClean="0"/>
               <a:t>2024/3/10</a:t>
             </a:fld>
@@ -2075,7 +2075,7 @@
           <p:cNvPr id="3" name="页脚占位符 2">
             <a:extLst>
               <a:ext uri="{FF2B5EF4-FFF2-40B4-BE49-F238E27FC236}">
-                <a16:creationId xmlns:a16="http://schemas.microsoft.com/office/drawing/2014/main" id="{D36D526D-59F8-1AC2-D9E9-B17991ACFA1C}"/>
+                <a16:creationId xmlns:a16="http://schemas.microsoft.com/office/drawing/2014/main" id="{9E1525D4-8FD5-ADDB-B4DB-9F53D19FB027}"/>
               </a:ext>
             </a:extLst>
           </p:cNvPr>
@@ -2100,7 +2100,7 @@
           <p:cNvPr id="4" name="灯片编号占位符 3">
             <a:extLst>
               <a:ext uri="{FF2B5EF4-FFF2-40B4-BE49-F238E27FC236}">
-                <a16:creationId xmlns:a16="http://schemas.microsoft.com/office/drawing/2014/main" id="{C806B15C-1FE9-7DFA-9D61-5B8A7A275584}"/>
+                <a16:creationId xmlns:a16="http://schemas.microsoft.com/office/drawing/2014/main" id="{366310EC-9604-D94D-AEE1-7754DC5DAFBE}"/>
               </a:ext>
             </a:extLst>
           </p:cNvPr>
@@ -2116,7 +2116,7 @@
           <a:bodyPr/>
           <a:lstStyle/>
           <a:p>
-            <a:fld id="{A19D7025-0D55-4909-B26C-769F13F6A8E7}" type="slidenum">
+            <a:fld id="{D54052BA-F4A6-46AA-9403-042559C05CA4}" type="slidenum">
               <a:rPr lang="zh-CN" altLang="en-US" smtClean="0"/>
               <a:t>‹#›</a:t>
             </a:fld>
@@ -2127,7 +2127,7 @@
     </p:spTree>
     <p:extLst>
       <p:ext uri="{BB962C8B-B14F-4D97-AF65-F5344CB8AC3E}">
-        <p14:creationId xmlns:p14="http://schemas.microsoft.com/office/powerpoint/2010/main" val="1435746003"/>
+        <p14:creationId xmlns:p14="http://schemas.microsoft.com/office/powerpoint/2010/main" val="3613216715"/>
       </p:ext>
     </p:extLst>
   </p:cSld>
@@ -2159,7 +2159,7 @@
           <p:cNvPr id="2" name="标题 1">
             <a:extLst>
               <a:ext uri="{FF2B5EF4-FFF2-40B4-BE49-F238E27FC236}">
-                <a16:creationId xmlns:a16="http://schemas.microsoft.com/office/drawing/2014/main" id="{6385567F-F5F7-128E-FDBB-86C04E2E5A48}"/>
+                <a16:creationId xmlns:a16="http://schemas.microsoft.com/office/drawing/2014/main" id="{B7875EDF-6325-EE0A-9A97-48D71ED7D9BA}"/>
               </a:ext>
             </a:extLst>
           </p:cNvPr>
@@ -2196,7 +2196,7 @@
           <p:cNvPr id="3" name="内容占位符 2">
             <a:extLst>
               <a:ext uri="{FF2B5EF4-FFF2-40B4-BE49-F238E27FC236}">
-                <a16:creationId xmlns:a16="http://schemas.microsoft.com/office/drawing/2014/main" id="{0D8C3CBE-D933-22AB-4098-43203A2018CB}"/>
+                <a16:creationId xmlns:a16="http://schemas.microsoft.com/office/drawing/2014/main" id="{5FE16E1F-E15A-567E-9EED-FEE66E0EAE5C}"/>
               </a:ext>
             </a:extLst>
           </p:cNvPr>
@@ -2286,7 +2286,7 @@
           <p:cNvPr id="4" name="文本占位符 3">
             <a:extLst>
               <a:ext uri="{FF2B5EF4-FFF2-40B4-BE49-F238E27FC236}">
-                <a16:creationId xmlns:a16="http://schemas.microsoft.com/office/drawing/2014/main" id="{0382A8BB-5664-6760-0AC5-8074127B8296}"/>
+                <a16:creationId xmlns:a16="http://schemas.microsoft.com/office/drawing/2014/main" id="{99BE1F75-DB21-85D3-DBE5-4BA5CE56DB25}"/>
               </a:ext>
             </a:extLst>
           </p:cNvPr>
@@ -2357,7 +2357,7 @@
           <p:cNvPr id="5" name="日期占位符 4">
             <a:extLst>
               <a:ext uri="{FF2B5EF4-FFF2-40B4-BE49-F238E27FC236}">
-                <a16:creationId xmlns:a16="http://schemas.microsoft.com/office/drawing/2014/main" id="{661BC187-85CF-43D0-53B1-CD31FC9F8C9C}"/>
+                <a16:creationId xmlns:a16="http://schemas.microsoft.com/office/drawing/2014/main" id="{2908D7A1-5DF2-DD90-5277-27EA944A3A50}"/>
               </a:ext>
             </a:extLst>
           </p:cNvPr>
@@ -2373,7 +2373,7 @@
           <a:bodyPr/>
           <a:lstStyle/>
           <a:p>
-            <a:fld id="{D5857A15-3846-453A-B0AA-DCFF607F9E2F}" type="datetimeFigureOut">
+            <a:fld id="{ABDB646F-836F-4C85-AF98-609525971E85}" type="datetimeFigureOut">
               <a:rPr lang="zh-CN" altLang="en-US" smtClean="0"/>
               <a:t>2024/3/10</a:t>
             </a:fld>
@@ -2386,7 +2386,7 @@
           <p:cNvPr id="6" name="页脚占位符 5">
             <a:extLst>
               <a:ext uri="{FF2B5EF4-FFF2-40B4-BE49-F238E27FC236}">
-                <a16:creationId xmlns:a16="http://schemas.microsoft.com/office/drawing/2014/main" id="{C5D20894-E3F2-E0E6-AA36-9A61B9D8C0DB}"/>
+                <a16:creationId xmlns:a16="http://schemas.microsoft.com/office/drawing/2014/main" id="{8882089E-F016-EFDC-1FDA-D1AC3DCEB5A8}"/>
               </a:ext>
             </a:extLst>
           </p:cNvPr>
@@ -2411,7 +2411,7 @@
           <p:cNvPr id="7" name="灯片编号占位符 6">
             <a:extLst>
               <a:ext uri="{FF2B5EF4-FFF2-40B4-BE49-F238E27FC236}">
-                <a16:creationId xmlns:a16="http://schemas.microsoft.com/office/drawing/2014/main" id="{1135F474-11E6-07B9-37F5-602FFD8878A3}"/>
+                <a16:creationId xmlns:a16="http://schemas.microsoft.com/office/drawing/2014/main" id="{5058CBA5-D441-AAA0-8B46-88860685E9A9}"/>
               </a:ext>
             </a:extLst>
           </p:cNvPr>
@@ -2427,7 +2427,7 @@
           <a:bodyPr/>
           <a:lstStyle/>
           <a:p>
-            <a:fld id="{A19D7025-0D55-4909-B26C-769F13F6A8E7}" type="slidenum">
+            <a:fld id="{D54052BA-F4A6-46AA-9403-042559C05CA4}" type="slidenum">
               <a:rPr lang="zh-CN" altLang="en-US" smtClean="0"/>
               <a:t>‹#›</a:t>
             </a:fld>
@@ -2438,7 +2438,7 @@
     </p:spTree>
     <p:extLst>
       <p:ext uri="{BB962C8B-B14F-4D97-AF65-F5344CB8AC3E}">
-        <p14:creationId xmlns:p14="http://schemas.microsoft.com/office/powerpoint/2010/main" val="1665542513"/>
+        <p14:creationId xmlns:p14="http://schemas.microsoft.com/office/powerpoint/2010/main" val="3414354178"/>
       </p:ext>
     </p:extLst>
   </p:cSld>
@@ -2470,7 +2470,7 @@
           <p:cNvPr id="2" name="标题 1">
             <a:extLst>
               <a:ext uri="{FF2B5EF4-FFF2-40B4-BE49-F238E27FC236}">
-                <a16:creationId xmlns:a16="http://schemas.microsoft.com/office/drawing/2014/main" id="{9C4A9792-5A45-EAC6-D873-1854C4CC2A43}"/>
+                <a16:creationId xmlns:a16="http://schemas.microsoft.com/office/drawing/2014/main" id="{B6C5A0F4-C02B-62D7-066D-81A427DE4490}"/>
               </a:ext>
             </a:extLst>
           </p:cNvPr>
@@ -2507,7 +2507,7 @@
           <p:cNvPr id="3" name="图片占位符 2">
             <a:extLst>
               <a:ext uri="{FF2B5EF4-FFF2-40B4-BE49-F238E27FC236}">
-                <a16:creationId xmlns:a16="http://schemas.microsoft.com/office/drawing/2014/main" id="{F7CE003C-D512-BB8A-F8B3-49487ADA725D}"/>
+                <a16:creationId xmlns:a16="http://schemas.microsoft.com/office/drawing/2014/main" id="{FB84D42B-0B2C-576C-25D8-6110097914F9}"/>
               </a:ext>
             </a:extLst>
           </p:cNvPr>
@@ -2574,7 +2574,7 @@
           <p:cNvPr id="4" name="文本占位符 3">
             <a:extLst>
               <a:ext uri="{FF2B5EF4-FFF2-40B4-BE49-F238E27FC236}">
-                <a16:creationId xmlns:a16="http://schemas.microsoft.com/office/drawing/2014/main" id="{F2527FC4-D928-0A43-BE96-D35F9AAB0265}"/>
+                <a16:creationId xmlns:a16="http://schemas.microsoft.com/office/drawing/2014/main" id="{02B527C3-D3C7-E6CB-7C6D-193307844E47}"/>
               </a:ext>
             </a:extLst>
           </p:cNvPr>
@@ -2645,7 +2645,7 @@
           <p:cNvPr id="5" name="日期占位符 4">
             <a:extLst>
               <a:ext uri="{FF2B5EF4-FFF2-40B4-BE49-F238E27FC236}">
-                <a16:creationId xmlns:a16="http://schemas.microsoft.com/office/drawing/2014/main" id="{93A8AF5B-3CA2-0DAA-1327-77041FA67FC6}"/>
+                <a16:creationId xmlns:a16="http://schemas.microsoft.com/office/drawing/2014/main" id="{CF6DDF53-9190-14E3-CAF7-D3C55673F5D1}"/>
               </a:ext>
             </a:extLst>
           </p:cNvPr>
@@ -2661,7 +2661,7 @@
           <a:bodyPr/>
           <a:lstStyle/>
           <a:p>
-            <a:fld id="{D5857A15-3846-453A-B0AA-DCFF607F9E2F}" type="datetimeFigureOut">
+            <a:fld id="{ABDB646F-836F-4C85-AF98-609525971E85}" type="datetimeFigureOut">
               <a:rPr lang="zh-CN" altLang="en-US" smtClean="0"/>
               <a:t>2024/3/10</a:t>
             </a:fld>
@@ -2674,7 +2674,7 @@
           <p:cNvPr id="6" name="页脚占位符 5">
             <a:extLst>
               <a:ext uri="{FF2B5EF4-FFF2-40B4-BE49-F238E27FC236}">
-                <a16:creationId xmlns:a16="http://schemas.microsoft.com/office/drawing/2014/main" id="{D02D385D-CBC5-0631-766E-31CBF8AE91B9}"/>
+                <a16:creationId xmlns:a16="http://schemas.microsoft.com/office/drawing/2014/main" id="{D1521095-B965-CE33-9FA9-0AC03A8C4081}"/>
               </a:ext>
             </a:extLst>
           </p:cNvPr>
@@ -2699,7 +2699,7 @@
           <p:cNvPr id="7" name="灯片编号占位符 6">
             <a:extLst>
               <a:ext uri="{FF2B5EF4-FFF2-40B4-BE49-F238E27FC236}">
-                <a16:creationId xmlns:a16="http://schemas.microsoft.com/office/drawing/2014/main" id="{6BDA1356-074B-914A-624A-F9E681E31077}"/>
+                <a16:creationId xmlns:a16="http://schemas.microsoft.com/office/drawing/2014/main" id="{24BC57E8-70C0-665E-803B-00E0A8316074}"/>
               </a:ext>
             </a:extLst>
           </p:cNvPr>
@@ -2715,7 +2715,7 @@
           <a:bodyPr/>
           <a:lstStyle/>
           <a:p>
-            <a:fld id="{A19D7025-0D55-4909-B26C-769F13F6A8E7}" type="slidenum">
+            <a:fld id="{D54052BA-F4A6-46AA-9403-042559C05CA4}" type="slidenum">
               <a:rPr lang="zh-CN" altLang="en-US" smtClean="0"/>
               <a:t>‹#›</a:t>
             </a:fld>
@@ -2726,7 +2726,7 @@
     </p:spTree>
     <p:extLst>
       <p:ext uri="{BB962C8B-B14F-4D97-AF65-F5344CB8AC3E}">
-        <p14:creationId xmlns:p14="http://schemas.microsoft.com/office/powerpoint/2010/main" val="4113873997"/>
+        <p14:creationId xmlns:p14="http://schemas.microsoft.com/office/powerpoint/2010/main" val="2918812408"/>
       </p:ext>
     </p:extLst>
   </p:cSld>
@@ -2763,7 +2763,7 @@
           <p:cNvPr id="2" name="标题占位符 1">
             <a:extLst>
               <a:ext uri="{FF2B5EF4-FFF2-40B4-BE49-F238E27FC236}">
-                <a16:creationId xmlns:a16="http://schemas.microsoft.com/office/drawing/2014/main" id="{78DD92DD-6944-59F6-83F1-D475488D3BEB}"/>
+                <a16:creationId xmlns:a16="http://schemas.microsoft.com/office/drawing/2014/main" id="{259362E2-D10B-0955-5A61-9E64BC5574EE}"/>
               </a:ext>
             </a:extLst>
           </p:cNvPr>
@@ -2801,7 +2801,7 @@
           <p:cNvPr id="3" name="文本占位符 2">
             <a:extLst>
               <a:ext uri="{FF2B5EF4-FFF2-40B4-BE49-F238E27FC236}">
-                <a16:creationId xmlns:a16="http://schemas.microsoft.com/office/drawing/2014/main" id="{2B166886-3F3C-258C-90D4-A5D42B117C1C}"/>
+                <a16:creationId xmlns:a16="http://schemas.microsoft.com/office/drawing/2014/main" id="{3380A175-1742-50D0-FD03-A71C5103AE20}"/>
               </a:ext>
             </a:extLst>
           </p:cNvPr>
@@ -2868,7 +2868,7 @@
           <p:cNvPr id="4" name="日期占位符 3">
             <a:extLst>
               <a:ext uri="{FF2B5EF4-FFF2-40B4-BE49-F238E27FC236}">
-                <a16:creationId xmlns:a16="http://schemas.microsoft.com/office/drawing/2014/main" id="{D61B86AF-2F24-FFA1-FB01-E4048BF34699}"/>
+                <a16:creationId xmlns:a16="http://schemas.microsoft.com/office/drawing/2014/main" id="{5C0CB07E-1700-F478-B1B3-575476A3F257}"/>
               </a:ext>
             </a:extLst>
           </p:cNvPr>
@@ -2902,7 +2902,7 @@
             </a:lvl1pPr>
           </a:lstStyle>
           <a:p>
-            <a:fld id="{D5857A15-3846-453A-B0AA-DCFF607F9E2F}" type="datetimeFigureOut">
+            <a:fld id="{ABDB646F-836F-4C85-AF98-609525971E85}" type="datetimeFigureOut">
               <a:rPr lang="zh-CN" altLang="en-US" smtClean="0"/>
               <a:t>2024/3/10</a:t>
             </a:fld>
@@ -2915,7 +2915,7 @@
           <p:cNvPr id="5" name="页脚占位符 4">
             <a:extLst>
               <a:ext uri="{FF2B5EF4-FFF2-40B4-BE49-F238E27FC236}">
-                <a16:creationId xmlns:a16="http://schemas.microsoft.com/office/drawing/2014/main" id="{A8C5383D-72DF-774D-D627-7FA66D84441C}"/>
+                <a16:creationId xmlns:a16="http://schemas.microsoft.com/office/drawing/2014/main" id="{8E9442ED-6D97-EAB0-B8EE-10EF1FB9EDEC}"/>
               </a:ext>
             </a:extLst>
           </p:cNvPr>
@@ -2958,7 +2958,7 @@
           <p:cNvPr id="6" name="灯片编号占位符 5">
             <a:extLst>
               <a:ext uri="{FF2B5EF4-FFF2-40B4-BE49-F238E27FC236}">
-                <a16:creationId xmlns:a16="http://schemas.microsoft.com/office/drawing/2014/main" id="{625BEE32-259A-30BC-3CA9-A0DE3EC68A96}"/>
+                <a16:creationId xmlns:a16="http://schemas.microsoft.com/office/drawing/2014/main" id="{037C52A5-4F0C-20D9-A284-F5F7F077EDE6}"/>
               </a:ext>
             </a:extLst>
           </p:cNvPr>
@@ -2992,7 +2992,7 @@
             </a:lvl1pPr>
           </a:lstStyle>
           <a:p>
-            <a:fld id="{A19D7025-0D55-4909-B26C-769F13F6A8E7}" type="slidenum">
+            <a:fld id="{D54052BA-F4A6-46AA-9403-042559C05CA4}" type="slidenum">
               <a:rPr lang="zh-CN" altLang="en-US" smtClean="0"/>
               <a:t>‹#›</a:t>
             </a:fld>
@@ -3003,7 +3003,7 @@
     </p:spTree>
     <p:extLst>
       <p:ext uri="{BB962C8B-B14F-4D97-AF65-F5344CB8AC3E}">
-        <p14:creationId xmlns:p14="http://schemas.microsoft.com/office/powerpoint/2010/main" val="2086854429"/>
+        <p14:creationId xmlns:p14="http://schemas.microsoft.com/office/powerpoint/2010/main" val="2432263185"/>
       </p:ext>
     </p:extLst>
   </p:cSld>
